--- a/Udemy/Lecture 1 - Application Design/_08_ApplicationDesign-Step6_Screen.pptx
+++ b/Udemy/Lecture 1 - Application Design/_08_ApplicationDesign-Step6_Screen.pptx
@@ -309,7 +309,7 @@
           <a:p>
             <a:fld id="{D2BDCC73-4DDF-49AB-AEE1-BCC66D6EB140}" type="datetimeFigureOut">
               <a:rPr lang="en-GB" smtClean="0"/>
-              <a:t>08/12/2018</a:t>
+              <a:t>31/07/2019</a:t>
             </a:fld>
             <a:endParaRPr lang="en-GB" dirty="0"/>
           </a:p>
@@ -519,7 +519,7 @@
           <a:p>
             <a:fld id="{D2BDCC73-4DDF-49AB-AEE1-BCC66D6EB140}" type="datetimeFigureOut">
               <a:rPr lang="en-GB" smtClean="0"/>
-              <a:t>08/12/2018</a:t>
+              <a:t>31/07/2019</a:t>
             </a:fld>
             <a:endParaRPr lang="en-GB" dirty="0"/>
           </a:p>
@@ -723,7 +723,7 @@
           <a:p>
             <a:fld id="{D2BDCC73-4DDF-49AB-AEE1-BCC66D6EB140}" type="datetimeFigureOut">
               <a:rPr lang="en-GB" smtClean="0"/>
-              <a:t>08/12/2018</a:t>
+              <a:t>31/07/2019</a:t>
             </a:fld>
             <a:endParaRPr lang="en-GB" dirty="0"/>
           </a:p>
@@ -837,42 +837,78 @@
         <p:spPr/>
         <p:txBody>
           <a:bodyPr/>
-          <a:lstStyle/>
+          <a:lstStyle>
+            <a:lvl1pPr marL="228600" indent="-228600">
+              <a:buFontTx/>
+              <a:buBlip>
+                <a:blip r:embed="rId2"/>
+              </a:buBlip>
+              <a:defRPr/>
+            </a:lvl1pPr>
+            <a:lvl2pPr marL="685800" indent="-228600">
+              <a:buFontTx/>
+              <a:buBlip>
+                <a:blip r:embed="rId2"/>
+              </a:buBlip>
+              <a:defRPr/>
+            </a:lvl2pPr>
+            <a:lvl3pPr marL="1143000" indent="-228600">
+              <a:buFontTx/>
+              <a:buBlip>
+                <a:blip r:embed="rId2"/>
+              </a:buBlip>
+              <a:defRPr/>
+            </a:lvl3pPr>
+            <a:lvl4pPr marL="1714500" indent="-342900">
+              <a:buFontTx/>
+              <a:buBlip>
+                <a:blip r:embed="rId2"/>
+              </a:buBlip>
+              <a:defRPr/>
+            </a:lvl4pPr>
+            <a:lvl5pPr marL="2057400" indent="-228600">
+              <a:buFontTx/>
+              <a:buBlip>
+                <a:blip r:embed="rId2"/>
+              </a:buBlip>
+              <a:defRPr/>
+            </a:lvl5pPr>
+          </a:lstStyle>
           <a:p>
             <a:pPr lvl="0"/>
             <a:r>
-              <a:rPr lang="en-US"/>
+              <a:rPr lang="en-US" dirty="0"/>
               <a:t>Click to edit Master text styles</a:t>
             </a:r>
           </a:p>
           <a:p>
             <a:pPr lvl="1"/>
             <a:r>
-              <a:rPr lang="en-US"/>
+              <a:rPr lang="en-US" dirty="0"/>
               <a:t>Second level</a:t>
             </a:r>
           </a:p>
           <a:p>
             <a:pPr lvl="2"/>
             <a:r>
-              <a:rPr lang="en-US"/>
+              <a:rPr lang="en-US" dirty="0"/>
               <a:t>Third level</a:t>
             </a:r>
           </a:p>
           <a:p>
             <a:pPr lvl="3"/>
             <a:r>
-              <a:rPr lang="en-US"/>
+              <a:rPr lang="en-US" dirty="0"/>
               <a:t>Fourth level</a:t>
             </a:r>
           </a:p>
           <a:p>
             <a:pPr lvl="4"/>
             <a:r>
-              <a:rPr lang="en-US"/>
+              <a:rPr lang="en-US" dirty="0"/>
               <a:t>Fifth level</a:t>
             </a:r>
-            <a:endParaRPr lang="en-GB"/>
+            <a:endParaRPr lang="en-GB" dirty="0"/>
           </a:p>
         </p:txBody>
       </p:sp>
@@ -893,7 +929,7 @@
           <a:p>
             <a:fld id="{D2BDCC73-4DDF-49AB-AEE1-BCC66D6EB140}" type="datetimeFigureOut">
               <a:rPr lang="en-GB" smtClean="0"/>
-              <a:t>08/12/2018</a:t>
+              <a:t>31/07/2019</a:t>
             </a:fld>
             <a:endParaRPr lang="en-GB" dirty="0"/>
           </a:p>
@@ -1143,7 +1179,7 @@
           <a:p>
             <a:fld id="{D2BDCC73-4DDF-49AB-AEE1-BCC66D6EB140}" type="datetimeFigureOut">
               <a:rPr lang="en-GB" smtClean="0"/>
-              <a:t>08/12/2018</a:t>
+              <a:t>31/07/2019</a:t>
             </a:fld>
             <a:endParaRPr lang="en-GB" dirty="0"/>
           </a:p>
@@ -1375,7 +1411,7 @@
           <a:p>
             <a:fld id="{D2BDCC73-4DDF-49AB-AEE1-BCC66D6EB140}" type="datetimeFigureOut">
               <a:rPr lang="en-GB" smtClean="0"/>
-              <a:t>08/12/2018</a:t>
+              <a:t>31/07/2019</a:t>
             </a:fld>
             <a:endParaRPr lang="en-GB" dirty="0"/>
           </a:p>
@@ -1744,7 +1780,7 @@
           <a:p>
             <a:fld id="{D2BDCC73-4DDF-49AB-AEE1-BCC66D6EB140}" type="datetimeFigureOut">
               <a:rPr lang="en-GB" smtClean="0"/>
-              <a:t>08/12/2018</a:t>
+              <a:t>31/07/2019</a:t>
             </a:fld>
             <a:endParaRPr lang="en-GB" dirty="0"/>
           </a:p>
@@ -1862,7 +1898,7 @@
           <a:p>
             <a:fld id="{D2BDCC73-4DDF-49AB-AEE1-BCC66D6EB140}" type="datetimeFigureOut">
               <a:rPr lang="en-GB" smtClean="0"/>
-              <a:t>08/12/2018</a:t>
+              <a:t>31/07/2019</a:t>
             </a:fld>
             <a:endParaRPr lang="en-GB" dirty="0"/>
           </a:p>
@@ -1957,7 +1993,7 @@
           <a:p>
             <a:fld id="{D2BDCC73-4DDF-49AB-AEE1-BCC66D6EB140}" type="datetimeFigureOut">
               <a:rPr lang="en-GB" smtClean="0"/>
-              <a:t>08/12/2018</a:t>
+              <a:t>31/07/2019</a:t>
             </a:fld>
             <a:endParaRPr lang="en-GB" dirty="0"/>
           </a:p>
@@ -2238,7 +2274,7 @@
           <a:p>
             <a:fld id="{D2BDCC73-4DDF-49AB-AEE1-BCC66D6EB140}" type="datetimeFigureOut">
               <a:rPr lang="en-GB" smtClean="0"/>
-              <a:t>08/12/2018</a:t>
+              <a:t>31/07/2019</a:t>
             </a:fld>
             <a:endParaRPr lang="en-GB" dirty="0"/>
           </a:p>
@@ -2493,7 +2529,7 @@
           <a:p>
             <a:fld id="{D2BDCC73-4DDF-49AB-AEE1-BCC66D6EB140}" type="datetimeFigureOut">
               <a:rPr lang="en-GB" smtClean="0"/>
-              <a:t>08/12/2018</a:t>
+              <a:t>31/07/2019</a:t>
             </a:fld>
             <a:endParaRPr lang="en-GB" dirty="0"/>
           </a:p>
@@ -2752,7 +2788,7 @@
           <a:p>
             <a:fld id="{D2BDCC73-4DDF-49AB-AEE1-BCC66D6EB140}" type="datetimeFigureOut">
               <a:rPr lang="en-GB" smtClean="0"/>
-              <a:t>08/12/2018</a:t>
+              <a:t>31/07/2019</a:t>
             </a:fld>
             <a:endParaRPr lang="en-GB" dirty="0"/>
           </a:p>
@@ -3698,7 +3734,7 @@
             <a:r>
               <a:rPr lang="en-US" dirty="0">
                 <a:solidFill>
-                  <a:srgbClr val="CACF0B"/>
+                  <a:srgbClr val="FFC000"/>
                 </a:solidFill>
                 <a:latin typeface="+mn-lt"/>
               </a:rPr>
@@ -3706,11 +3742,9 @@
             </a:r>
             <a:endParaRPr lang="en-US" kern="1200" dirty="0">
               <a:solidFill>
-                <a:srgbClr val="CACF0B"/>
+                <a:srgbClr val="FFC000"/>
               </a:solidFill>
               <a:latin typeface="+mn-lt"/>
-              <a:ea typeface="+mn-ea"/>
-              <a:cs typeface="+mn-cs"/>
             </a:endParaRPr>
           </a:p>
         </p:txBody>
@@ -4311,16 +4345,12 @@
           <a:lstStyle/>
           <a:p>
             <a:r>
-              <a:rPr lang="en-US" sz="4400" kern="1200" dirty="0"/>
-              <a:t>Step 6 </a:t>
-            </a:r>
-            <a:r>
               <a:rPr lang="en-US" sz="4400" kern="1200" dirty="0">
                 <a:solidFill>
-                  <a:schemeClr val="tx1"/>
+                  <a:srgbClr val="FFC000"/>
                 </a:solidFill>
               </a:rPr>
-              <a:t> </a:t>
+              <a:t>Step 6  </a:t>
             </a:r>
             <a:r>
               <a:rPr lang="en-GB" sz="4400" dirty="0">
@@ -4369,6 +4399,9 @@
           <a:p>
             <a:pPr>
               <a:buSzPct val="90000"/>
+              <a:buBlip>
+                <a:blip r:embed="rId2"/>
+              </a:buBlip>
             </a:pPr>
             <a:r>
               <a:rPr lang="en-GB" dirty="0">
@@ -4382,6 +4415,9 @@
           <a:p>
             <a:pPr lvl="1">
               <a:buSzPct val="90000"/>
+              <a:buBlip>
+                <a:blip r:embed="rId2"/>
+              </a:buBlip>
             </a:pPr>
             <a:r>
               <a:rPr lang="en-GB" dirty="0">
@@ -4395,6 +4431,9 @@
           <a:p>
             <a:pPr lvl="1">
               <a:buSzPct val="90000"/>
+              <a:buBlip>
+                <a:blip r:embed="rId2"/>
+              </a:buBlip>
             </a:pPr>
             <a:r>
               <a:rPr lang="en-GB" dirty="0">
@@ -4408,6 +4447,9 @@
           <a:p>
             <a:pPr lvl="1">
               <a:buSzPct val="90000"/>
+              <a:buBlip>
+                <a:blip r:embed="rId2"/>
+              </a:buBlip>
             </a:pPr>
             <a:r>
               <a:rPr lang="en-GB" dirty="0">
@@ -4421,6 +4463,9 @@
           <a:p>
             <a:pPr lvl="1">
               <a:buSzPct val="90000"/>
+              <a:buBlip>
+                <a:blip r:embed="rId2"/>
+              </a:buBlip>
             </a:pPr>
             <a:r>
               <a:rPr lang="en-GB" dirty="0">
@@ -4434,6 +4479,9 @@
           <a:p>
             <a:pPr>
               <a:buSzPct val="90000"/>
+              <a:buBlip>
+                <a:blip r:embed="rId2"/>
+              </a:buBlip>
             </a:pPr>
             <a:r>
               <a:rPr lang="en-GB" dirty="0">
@@ -4447,6 +4495,9 @@
           <a:p>
             <a:pPr>
               <a:buSzPct val="90000"/>
+              <a:buBlip>
+                <a:blip r:embed="rId2"/>
+              </a:buBlip>
             </a:pPr>
             <a:r>
               <a:rPr lang="en-GB" dirty="0">
@@ -4504,7 +4555,7 @@
           <p:nvPr/>
         </p:nvPicPr>
         <p:blipFill>
-          <a:blip r:embed="rId2">
+          <a:blip r:embed="rId3">
             <a:extLst>
               <a:ext uri="{28A0092B-C50C-407E-A947-70E740481C1C}">
                 <a14:useLocalDpi xmlns:a14="http://schemas.microsoft.com/office/drawing/2010/main" val="0"/>
@@ -5453,16 +5504,12 @@
           <a:lstStyle/>
           <a:p>
             <a:r>
-              <a:rPr lang="en-US" sz="4400" kern="1200" dirty="0"/>
-              <a:t>Step 6 </a:t>
-            </a:r>
-            <a:r>
               <a:rPr lang="en-US" sz="4400" kern="1200" dirty="0">
                 <a:solidFill>
-                  <a:schemeClr val="tx1"/>
+                  <a:srgbClr val="FFC000"/>
                 </a:solidFill>
               </a:rPr>
-              <a:t> </a:t>
+              <a:t>Step 6  </a:t>
             </a:r>
             <a:r>
               <a:rPr lang="en-GB" sz="4400" dirty="0">
@@ -5525,6 +5572,9 @@
           <a:p>
             <a:pPr>
               <a:buSzPct val="90000"/>
+              <a:buBlip>
+                <a:blip r:embed="rId2"/>
+              </a:buBlip>
             </a:pPr>
             <a:r>
               <a:rPr lang="en-GB" dirty="0">
@@ -5538,6 +5588,9 @@
           <a:p>
             <a:pPr lvl="1">
               <a:buSzPct val="90000"/>
+              <a:buBlip>
+                <a:blip r:embed="rId2"/>
+              </a:buBlip>
             </a:pPr>
             <a:r>
               <a:rPr lang="en-GB" dirty="0">
@@ -5551,6 +5604,9 @@
           <a:p>
             <a:pPr lvl="1">
               <a:buSzPct val="90000"/>
+              <a:buBlip>
+                <a:blip r:embed="rId2"/>
+              </a:buBlip>
             </a:pPr>
             <a:r>
               <a:rPr lang="en-GB" dirty="0">
@@ -5564,6 +5620,9 @@
           <a:p>
             <a:pPr lvl="1">
               <a:buSzPct val="90000"/>
+              <a:buBlip>
+                <a:blip r:embed="rId2"/>
+              </a:buBlip>
             </a:pPr>
             <a:r>
               <a:rPr lang="en-GB" dirty="0">
@@ -5577,6 +5636,9 @@
           <a:p>
             <a:pPr lvl="1">
               <a:buSzPct val="90000"/>
+              <a:buBlip>
+                <a:blip r:embed="rId2"/>
+              </a:buBlip>
             </a:pPr>
             <a:r>
               <a:rPr lang="en-GB" dirty="0">
@@ -5590,6 +5652,9 @@
           <a:p>
             <a:pPr>
               <a:buSzPct val="90000"/>
+              <a:buBlip>
+                <a:blip r:embed="rId2"/>
+              </a:buBlip>
             </a:pPr>
             <a:r>
               <a:rPr lang="en-GB" dirty="0">
@@ -5603,6 +5668,9 @@
           <a:p>
             <a:pPr lvl="1">
               <a:buSzPct val="90000"/>
+              <a:buBlip>
+                <a:blip r:embed="rId2"/>
+              </a:buBlip>
             </a:pPr>
             <a:r>
               <a:rPr lang="en-GB" dirty="0">
@@ -5616,6 +5684,9 @@
           <a:p>
             <a:pPr lvl="1">
               <a:buSzPct val="90000"/>
+              <a:buBlip>
+                <a:blip r:embed="rId2"/>
+              </a:buBlip>
             </a:pPr>
             <a:r>
               <a:rPr lang="en-GB" dirty="0">
@@ -5629,6 +5700,9 @@
           <a:p>
             <a:pPr lvl="1">
               <a:buSzPct val="90000"/>
+              <a:buBlip>
+                <a:blip r:embed="rId2"/>
+              </a:buBlip>
             </a:pPr>
             <a:r>
               <a:rPr lang="en-GB" dirty="0">
@@ -5642,6 +5716,9 @@
           <a:p>
             <a:pPr>
               <a:buSzPct val="90000"/>
+              <a:buBlip>
+                <a:blip r:embed="rId2"/>
+              </a:buBlip>
             </a:pPr>
             <a:r>
               <a:rPr lang="en-GB" dirty="0">
@@ -5655,6 +5732,9 @@
           <a:p>
             <a:pPr lvl="1">
               <a:buSzPct val="90000"/>
+              <a:buBlip>
+                <a:blip r:embed="rId2"/>
+              </a:buBlip>
             </a:pPr>
             <a:r>
               <a:rPr lang="en-GB" dirty="0">
@@ -5668,6 +5748,9 @@
           <a:p>
             <a:pPr lvl="1">
               <a:buSzPct val="90000"/>
+              <a:buBlip>
+                <a:blip r:embed="rId2"/>
+              </a:buBlip>
             </a:pPr>
             <a:r>
               <a:rPr lang="en-GB" dirty="0">
@@ -5681,6 +5764,9 @@
           <a:p>
             <a:pPr lvl="1">
               <a:buSzPct val="90000"/>
+              <a:buBlip>
+                <a:blip r:embed="rId2"/>
+              </a:buBlip>
             </a:pPr>
             <a:r>
               <a:rPr lang="en-GB" dirty="0">
@@ -5708,7 +5794,7 @@
           <p:nvPr/>
         </p:nvPicPr>
         <p:blipFill>
-          <a:blip r:embed="rId2">
+          <a:blip r:embed="rId3">
             <a:extLst>
               <a:ext uri="{28A0092B-C50C-407E-A947-70E740481C1C}">
                 <a14:useLocalDpi xmlns:a14="http://schemas.microsoft.com/office/drawing/2010/main" val="0"/>
@@ -7535,16 +7621,12 @@
           <a:lstStyle/>
           <a:p>
             <a:r>
-              <a:rPr lang="en-US" sz="4400" kern="1200" dirty="0"/>
-              <a:t>Step 6 </a:t>
-            </a:r>
-            <a:r>
               <a:rPr lang="en-US" sz="4400" kern="1200" dirty="0">
                 <a:solidFill>
-                  <a:schemeClr val="tx1"/>
+                  <a:srgbClr val="FFC000"/>
                 </a:solidFill>
               </a:rPr>
-              <a:t> </a:t>
+              <a:t>Step 6  </a:t>
             </a:r>
             <a:r>
               <a:rPr lang="en-GB" sz="4400" dirty="0">
@@ -7593,6 +7675,9 @@
           <a:p>
             <a:pPr>
               <a:buSzPct val="90000"/>
+              <a:buBlip>
+                <a:blip r:embed="rId2"/>
+              </a:buBlip>
             </a:pPr>
             <a:r>
               <a:rPr lang="en-GB" dirty="0">
@@ -7606,6 +7691,9 @@
           <a:p>
             <a:pPr lvl="1">
               <a:buSzPct val="90000"/>
+              <a:buBlip>
+                <a:blip r:embed="rId2"/>
+              </a:buBlip>
             </a:pPr>
             <a:r>
               <a:rPr lang="en-GB" dirty="0">
@@ -7618,7 +7706,7 @@
             <a:r>
               <a:rPr lang="en-GB" dirty="0">
                 <a:solidFill>
-                  <a:srgbClr val="CACF0B"/>
+                  <a:srgbClr val="FFC000"/>
                 </a:solidFill>
               </a:rPr>
               <a:t>Photoshop</a:t>
@@ -7635,14 +7723,17 @@
           <a:p>
             <a:pPr lvl="1">
               <a:buSzPct val="90000"/>
+              <a:buBlip>
+                <a:blip r:embed="rId2"/>
+              </a:buBlip>
             </a:pPr>
             <a:r>
               <a:rPr lang="en-GB" dirty="0">
                 <a:solidFill>
-                  <a:srgbClr val="CACF0B"/>
+                  <a:srgbClr val="FFC000"/>
                 </a:solidFill>
               </a:rPr>
-              <a:t>100+</a:t>
+              <a:t>100+ </a:t>
             </a:r>
             <a:r>
               <a:rPr lang="en-GB" dirty="0">
@@ -7650,12 +7741,15 @@
                   <a:schemeClr val="bg1"/>
                 </a:solidFill>
               </a:rPr>
-              <a:t> hours to complete</a:t>
+              <a:t>hours to complete</a:t>
             </a:r>
           </a:p>
           <a:p>
             <a:pPr>
               <a:buSzPct val="90000"/>
+              <a:buBlip>
+                <a:blip r:embed="rId2"/>
+              </a:buBlip>
             </a:pPr>
             <a:r>
               <a:rPr lang="en-GB" dirty="0">
@@ -7669,6 +7763,9 @@
           <a:p>
             <a:pPr lvl="1">
               <a:buSzPct val="90000"/>
+              <a:buBlip>
+                <a:blip r:embed="rId2"/>
+              </a:buBlip>
             </a:pPr>
             <a:r>
               <a:rPr lang="en-GB" dirty="0">
@@ -7682,6 +7779,9 @@
           <a:p>
             <a:pPr lvl="1">
               <a:buSzPct val="90000"/>
+              <a:buBlip>
+                <a:blip r:embed="rId2"/>
+              </a:buBlip>
             </a:pPr>
             <a:r>
               <a:rPr lang="en-GB" dirty="0">
@@ -7724,7 +7824,7 @@
           <p:nvPr/>
         </p:nvPicPr>
         <p:blipFill rotWithShape="1">
-          <a:blip r:embed="rId2" cstate="print">
+          <a:blip r:embed="rId3" cstate="print">
             <a:extLst>
               <a:ext uri="{28A0092B-C50C-407E-A947-70E740481C1C}">
                 <a14:useLocalDpi xmlns:a14="http://schemas.microsoft.com/office/drawing/2010/main" val="0"/>
@@ -7769,7 +7869,7 @@
           <p:nvPr/>
         </p:nvPicPr>
         <p:blipFill rotWithShape="1">
-          <a:blip r:embed="rId2" cstate="print">
+          <a:blip r:embed="rId3" cstate="print">
             <a:extLst>
               <a:ext uri="{28A0092B-C50C-407E-A947-70E740481C1C}">
                 <a14:useLocalDpi xmlns:a14="http://schemas.microsoft.com/office/drawing/2010/main" val="0"/>
@@ -8208,7 +8308,7 @@
 <file path=ppt/theme/theme1.xml><?xml version="1.0" encoding="utf-8"?>
 <a:theme xmlns:a="http://schemas.openxmlformats.org/drawingml/2006/main" name="Office Theme">
   <a:themeElements>
-    <a:clrScheme name="Office">
+    <a:clrScheme name="Red Orange">
       <a:dk1>
         <a:sysClr val="windowText" lastClr="000000"/>
       </a:dk1>
@@ -8216,34 +8316,34 @@
         <a:sysClr val="window" lastClr="FFFFFF"/>
       </a:lt1>
       <a:dk2>
-        <a:srgbClr val="44546A"/>
+        <a:srgbClr val="505046"/>
       </a:dk2>
       <a:lt2>
-        <a:srgbClr val="E7E6E6"/>
+        <a:srgbClr val="EEECE1"/>
       </a:lt2>
       <a:accent1>
-        <a:srgbClr val="5B9BD5"/>
+        <a:srgbClr val="E84C22"/>
       </a:accent1>
       <a:accent2>
-        <a:srgbClr val="ED7D31"/>
+        <a:srgbClr val="FFBD47"/>
       </a:accent2>
       <a:accent3>
-        <a:srgbClr val="A5A5A5"/>
+        <a:srgbClr val="B64926"/>
       </a:accent3>
       <a:accent4>
-        <a:srgbClr val="FFC000"/>
+        <a:srgbClr val="FF8427"/>
       </a:accent4>
       <a:accent5>
-        <a:srgbClr val="4472C4"/>
+        <a:srgbClr val="CC9900"/>
       </a:accent5>
       <a:accent6>
-        <a:srgbClr val="70AD47"/>
+        <a:srgbClr val="B22600"/>
       </a:accent6>
       <a:hlink>
-        <a:srgbClr val="0563C1"/>
+        <a:srgbClr val="CC9900"/>
       </a:hlink>
       <a:folHlink>
-        <a:srgbClr val="954F72"/>
+        <a:srgbClr val="666699"/>
       </a:folHlink>
     </a:clrScheme>
     <a:fontScheme name="Office">
